--- a/Presentation/RC2_AB.pptx
+++ b/Presentation/RC2_AB.pptx
@@ -5,13 +5,14 @@
     <p:sldMasterId id="2147483708" r:id="rId1"/>
   </p:sldMasterIdLst>
   <p:notesMasterIdLst>
-    <p:notesMasterId r:id="rId6"/>
+    <p:notesMasterId r:id="rId7"/>
   </p:notesMasterIdLst>
   <p:sldIdLst>
     <p:sldId id="272" r:id="rId2"/>
-    <p:sldId id="271" r:id="rId3"/>
-    <p:sldId id="268" r:id="rId4"/>
-    <p:sldId id="267" r:id="rId5"/>
+    <p:sldId id="273" r:id="rId3"/>
+    <p:sldId id="271" r:id="rId4"/>
+    <p:sldId id="268" r:id="rId5"/>
+    <p:sldId id="267" r:id="rId6"/>
   </p:sldIdLst>
   <p:sldSz cx="12192000" cy="6858000"/>
   <p:notesSz cx="6858000" cy="9144000"/>
@@ -4433,7 +4434,18 @@
               <a:rPr lang="it-IT" dirty="0" err="1"/>
               <a:t>Introduction</a:t>
             </a:r>
-            <a:endParaRPr lang="it-IT" dirty="0"/>
+            <a:r>
+              <a:rPr lang="it-IT" dirty="0"/>
+              <a:t>: the "urban </a:t>
+            </a:r>
+            <a:r>
+              <a:rPr lang="it-IT" dirty="0" err="1"/>
+              <a:t>mobility</a:t>
+            </a:r>
+            <a:r>
+              <a:rPr lang="it-IT" dirty="0"/>
+              <a:t> challenge"</a:t>
+            </a:r>
           </a:p>
         </p:txBody>
       </p:sp>
@@ -4464,6 +4476,30 @@
             <a:normAutofit/>
           </a:bodyPr>
           <a:lstStyle/>
+          <a:p>
+            <a:pPr>
+              <a:buClr>
+                <a:srgbClr val="C00000"/>
+              </a:buClr>
+            </a:pPr>
+            <a:r>
+              <a:rPr lang="en-US" sz="1800" b="1" dirty="0"/>
+              <a:t>Problem: </a:t>
+            </a:r>
+            <a:r>
+              <a:rPr lang="en-US" sz="1800" dirty="0"/>
+              <a:t>An autonomous guided vehicle (AGV) has to travel along a closed circuit avoiding the other AGVs that are parked along the path; at the completion of one lap, the AGV has to get off the circuit and park at the box</a:t>
+            </a:r>
+            <a:endParaRPr lang="it-IT" sz="1800" dirty="0"/>
+          </a:p>
+          <a:p>
+            <a:pPr>
+              <a:buClr>
+                <a:srgbClr val="C00000"/>
+              </a:buClr>
+            </a:pPr>
+            <a:endParaRPr lang="it-IT" sz="1800" b="1" dirty="0"/>
+          </a:p>
           <a:p>
             <a:pPr>
               <a:buClr>
@@ -4484,22 +4520,22 @@
               <a:buAutoNum type="arabicParenR"/>
             </a:pPr>
             <a:r>
-              <a:rPr lang="it-IT" sz="1800" b="1" dirty="0"/>
+              <a:rPr lang="it-IT" sz="1800" dirty="0"/>
               <a:t>Track a </a:t>
             </a:r>
             <a:r>
-              <a:rPr lang="it-IT" sz="1800" b="1" dirty="0" err="1"/>
+              <a:rPr lang="it-IT" sz="1800" dirty="0" err="1"/>
               <a:t>closed</a:t>
             </a:r>
             <a:r>
-              <a:rPr lang="it-IT" sz="1800" b="1" dirty="0"/>
+              <a:rPr lang="it-IT" sz="1800" dirty="0"/>
               <a:t> </a:t>
             </a:r>
             <a:r>
-              <a:rPr lang="it-IT" sz="1800" b="1" dirty="0" err="1"/>
+              <a:rPr lang="it-IT" sz="1800" dirty="0" err="1"/>
               <a:t>trajectory</a:t>
             </a:r>
-            <a:endParaRPr lang="it-IT" sz="1800" b="1" dirty="0"/>
+            <a:endParaRPr lang="it-IT" sz="1800" dirty="0"/>
           </a:p>
           <a:p>
             <a:pPr marL="342900" indent="-342900">
@@ -4510,26 +4546,26 @@
               <a:buAutoNum type="arabicParenR"/>
             </a:pPr>
             <a:r>
-              <a:rPr lang="it-IT" sz="1800" b="1" dirty="0" err="1"/>
+              <a:rPr lang="it-IT" sz="1800" dirty="0" err="1"/>
               <a:t>Avoid</a:t>
             </a:r>
             <a:r>
-              <a:rPr lang="it-IT" sz="1800" b="1" dirty="0"/>
+              <a:rPr lang="it-IT" sz="1800" dirty="0"/>
               <a:t> </a:t>
             </a:r>
             <a:r>
-              <a:rPr lang="it-IT" sz="1800" b="1" dirty="0" err="1"/>
+              <a:rPr lang="it-IT" sz="1800" dirty="0" err="1"/>
               <a:t>obstacles</a:t>
             </a:r>
             <a:r>
-              <a:rPr lang="it-IT" sz="1800" b="1" dirty="0"/>
+              <a:rPr lang="it-IT" sz="1800" dirty="0"/>
               <a:t> on the </a:t>
             </a:r>
             <a:r>
-              <a:rPr lang="it-IT" sz="1800" b="1" dirty="0" err="1"/>
+              <a:rPr lang="it-IT" sz="1800" dirty="0" err="1"/>
               <a:t>trajectory</a:t>
             </a:r>
-            <a:endParaRPr lang="it-IT" sz="1800" b="1" dirty="0"/>
+            <a:endParaRPr lang="it-IT" sz="1800" dirty="0"/>
           </a:p>
           <a:p>
             <a:pPr marL="342900" indent="-342900">
@@ -4540,49 +4576,106 @@
               <a:buAutoNum type="arabicParenR"/>
             </a:pPr>
             <a:r>
-              <a:rPr lang="it-IT" sz="1800" b="1" dirty="0"/>
+              <a:rPr lang="it-IT" sz="1800" dirty="0"/>
               <a:t>After </a:t>
             </a:r>
             <a:r>
-              <a:rPr lang="it-IT" sz="1800" b="1" dirty="0" err="1"/>
+              <a:rPr lang="it-IT" sz="1800" dirty="0" err="1"/>
               <a:t>performing</a:t>
             </a:r>
             <a:r>
-              <a:rPr lang="it-IT" sz="1800" b="1" dirty="0"/>
+              <a:rPr lang="it-IT" sz="1800" dirty="0"/>
               <a:t> one </a:t>
             </a:r>
             <a:r>
-              <a:rPr lang="it-IT" sz="1800" b="1" dirty="0" err="1"/>
+              <a:rPr lang="it-IT" sz="1800" dirty="0" err="1"/>
               <a:t>lap</a:t>
             </a:r>
             <a:r>
-              <a:rPr lang="it-IT" sz="1800" b="1" dirty="0"/>
+              <a:rPr lang="it-IT" sz="1800" dirty="0"/>
               <a:t>, </a:t>
             </a:r>
             <a:r>
-              <a:rPr lang="it-IT" sz="1800" b="1" dirty="0" err="1"/>
+              <a:rPr lang="it-IT" sz="1800" dirty="0" err="1"/>
               <a:t>reach</a:t>
             </a:r>
             <a:r>
-              <a:rPr lang="it-IT" sz="1800" b="1" dirty="0"/>
+              <a:rPr lang="it-IT" sz="1800" dirty="0"/>
               <a:t> an </a:t>
             </a:r>
             <a:r>
-              <a:rPr lang="it-IT" sz="1800" b="1" dirty="0" err="1"/>
+              <a:rPr lang="it-IT" sz="1800" dirty="0" err="1"/>
               <a:t>empty</a:t>
             </a:r>
             <a:r>
-              <a:rPr lang="it-IT" sz="1800" b="1" dirty="0"/>
+              <a:rPr lang="it-IT" sz="1800" dirty="0"/>
               <a:t> parking </a:t>
             </a:r>
             <a:r>
-              <a:rPr lang="it-IT" sz="1800" b="1" dirty="0" err="1"/>
+              <a:rPr lang="it-IT" sz="1800" dirty="0" err="1"/>
               <a:t>lot</a:t>
             </a:r>
-            <a:endParaRPr lang="it-IT" sz="1800" b="1" dirty="0"/>
-          </a:p>
-        </p:txBody>
-      </p:sp>
+            <a:endParaRPr lang="it-IT" sz="1800" dirty="0"/>
+          </a:p>
+        </p:txBody>
+      </p:sp>
+      <p:pic>
+        <p:nvPicPr>
+          <p:cNvPr id="4" name="Picture 2" descr="Universita' di Padova DEI (Dip Ingegneria Informazione) Accesso PaperCut">
+            <a:extLst>
+              <a:ext uri="{FF2B5EF4-FFF2-40B4-BE49-F238E27FC236}">
+                <a16:creationId xmlns:a16="http://schemas.microsoft.com/office/drawing/2014/main" id="{36C0F183-9811-0CA3-547B-A24694D701E7}"/>
+              </a:ext>
+            </a:extLst>
+          </p:cNvPr>
+          <p:cNvPicPr>
+            <a:picLocks noChangeAspect="1" noChangeArrowheads="1"/>
+          </p:cNvPicPr>
+          <p:nvPr/>
+        </p:nvPicPr>
+        <p:blipFill>
+          <a:blip r:embed="rId2" cstate="print">
+            <a:biLevel thresh="25000"/>
+            <a:extLst>
+              <a:ext uri="{BEBA8EAE-BF5A-486C-A8C5-ECC9F3942E4B}">
+                <a14:imgProps xmlns:a14="http://schemas.microsoft.com/office/drawing/2010/main">
+                  <a14:imgLayer r:embed="rId3">
+                    <a14:imgEffect>
+                      <a14:saturation sat="0"/>
+                    </a14:imgEffect>
+                  </a14:imgLayer>
+                </a14:imgProps>
+              </a:ext>
+              <a:ext uri="{28A0092B-C50C-407E-A947-70E740481C1C}">
+                <a14:useLocalDpi xmlns:a14="http://schemas.microsoft.com/office/drawing/2010/main" val="0"/>
+              </a:ext>
+            </a:extLst>
+          </a:blip>
+          <a:srcRect/>
+          <a:stretch>
+            <a:fillRect/>
+          </a:stretch>
+        </p:blipFill>
+        <p:spPr bwMode="auto">
+          <a:xfrm>
+            <a:off x="10139369" y="-197545"/>
+            <a:ext cx="2052631" cy="1539474"/>
+          </a:xfrm>
+          <a:prstGeom prst="rect">
+            <a:avLst/>
+          </a:prstGeom>
+          <a:noFill/>
+          <a:extLst>
+            <a:ext uri="{909E8E84-426E-40DD-AFC4-6F175D3DCCD1}">
+              <a14:hiddenFill xmlns:a14="http://schemas.microsoft.com/office/drawing/2010/main">
+                <a:solidFill>
+                  <a:srgbClr val="FFFFFF"/>
+                </a:solidFill>
+              </a14:hiddenFill>
+            </a:ext>
+          </a:extLst>
+        </p:spPr>
+      </p:pic>
     </p:spTree>
     <p:extLst>
       <p:ext uri="{BB962C8B-B14F-4D97-AF65-F5344CB8AC3E}">
@@ -4601,6 +4694,317 @@
   <p:cSld>
     <p:spTree>
       <p:nvGrpSpPr>
+        <p:cNvPr id="1" name="">
+          <a:extLst>
+            <a:ext uri="{FF2B5EF4-FFF2-40B4-BE49-F238E27FC236}">
+              <a16:creationId xmlns:a16="http://schemas.microsoft.com/office/drawing/2014/main" id="{9A450399-CE7D-631D-2D36-29929F99DA38}"/>
+            </a:ext>
+          </a:extLst>
+        </p:cNvPr>
+        <p:cNvGrpSpPr/>
+        <p:nvPr/>
+      </p:nvGrpSpPr>
+      <p:grpSpPr>
+        <a:xfrm>
+          <a:off x="0" y="0"/>
+          <a:ext cx="0" cy="0"/>
+          <a:chOff x="0" y="0"/>
+          <a:chExt cx="0" cy="0"/>
+        </a:xfrm>
+      </p:grpSpPr>
+      <p:sp>
+        <p:nvSpPr>
+          <p:cNvPr id="2" name="Titolo 1">
+            <a:extLst>
+              <a:ext uri="{FF2B5EF4-FFF2-40B4-BE49-F238E27FC236}">
+                <a16:creationId xmlns:a16="http://schemas.microsoft.com/office/drawing/2014/main" id="{BCAC674D-BCBC-0E30-0B77-BDCDD3C70A8B}"/>
+              </a:ext>
+            </a:extLst>
+          </p:cNvPr>
+          <p:cNvSpPr>
+            <a:spLocks noGrp="1"/>
+          </p:cNvSpPr>
+          <p:nvPr>
+            <p:ph type="title"/>
+          </p:nvPr>
+        </p:nvSpPr>
+        <p:spPr/>
+        <p:txBody>
+          <a:bodyPr/>
+          <a:lstStyle/>
+          <a:p>
+            <a:r>
+              <a:rPr lang="it-IT" dirty="0"/>
+              <a:t>Framework: </a:t>
+            </a:r>
+            <a:r>
+              <a:rPr lang="it-IT" dirty="0" err="1"/>
+              <a:t>unicycle</a:t>
+            </a:r>
+            <a:endParaRPr lang="it-IT" dirty="0"/>
+          </a:p>
+        </p:txBody>
+      </p:sp>
+      <p:sp>
+        <p:nvSpPr>
+          <p:cNvPr id="3" name="Segnaposto contenuto 2">
+            <a:extLst>
+              <a:ext uri="{FF2B5EF4-FFF2-40B4-BE49-F238E27FC236}">
+                <a16:creationId xmlns:a16="http://schemas.microsoft.com/office/drawing/2014/main" id="{80315972-048E-52EF-E2C0-8917393485E5}"/>
+              </a:ext>
+            </a:extLst>
+          </p:cNvPr>
+          <p:cNvSpPr>
+            <a:spLocks noGrp="1"/>
+          </p:cNvSpPr>
+          <p:nvPr>
+            <p:ph sz="quarter" idx="10"/>
+          </p:nvPr>
+        </p:nvSpPr>
+        <p:spPr>
+          <a:xfrm>
+            <a:off x="456000" y="2341221"/>
+            <a:ext cx="5977457" cy="4037808"/>
+          </a:xfrm>
+        </p:spPr>
+        <p:txBody>
+          <a:bodyPr>
+            <a:normAutofit/>
+          </a:bodyPr>
+          <a:lstStyle/>
+          <a:p>
+            <a:pPr>
+              <a:buClr>
+                <a:srgbClr val="C00000"/>
+              </a:buClr>
+            </a:pPr>
+            <a:r>
+              <a:rPr lang="it-IT" sz="1800" dirty="0">
+                <a:latin typeface="+mj-lt"/>
+                <a:cs typeface="Times New Roman" panose="02020603050405020304" pitchFamily="18" charset="0"/>
+              </a:rPr>
+              <a:t>The AGV </a:t>
+            </a:r>
+            <a:r>
+              <a:rPr lang="it-IT" sz="1800" dirty="0" err="1">
+                <a:latin typeface="+mj-lt"/>
+                <a:cs typeface="Times New Roman" panose="02020603050405020304" pitchFamily="18" charset="0"/>
+              </a:rPr>
+              <a:t>used</a:t>
+            </a:r>
+            <a:r>
+              <a:rPr lang="it-IT" sz="1800" dirty="0">
+                <a:latin typeface="+mj-lt"/>
+                <a:cs typeface="Times New Roman" panose="02020603050405020304" pitchFamily="18" charset="0"/>
+              </a:rPr>
+              <a:t> in the project </a:t>
+            </a:r>
+            <a:r>
+              <a:rPr lang="it-IT" sz="1800" dirty="0" err="1">
+                <a:latin typeface="+mj-lt"/>
+                <a:cs typeface="Times New Roman" panose="02020603050405020304" pitchFamily="18" charset="0"/>
+              </a:rPr>
+              <a:t>is</a:t>
+            </a:r>
+            <a:r>
+              <a:rPr lang="it-IT" sz="1800" dirty="0">
+                <a:latin typeface="+mj-lt"/>
+                <a:cs typeface="Times New Roman" panose="02020603050405020304" pitchFamily="18" charset="0"/>
+              </a:rPr>
+              <a:t> a </a:t>
+            </a:r>
+            <a:r>
+              <a:rPr lang="it-IT" sz="1800" dirty="0" err="1">
+                <a:latin typeface="+mj-lt"/>
+                <a:cs typeface="Times New Roman" panose="02020603050405020304" pitchFamily="18" charset="0"/>
+              </a:rPr>
+              <a:t>unicycle</a:t>
+            </a:r>
+            <a:r>
+              <a:rPr lang="it-IT" sz="1800" dirty="0">
+                <a:latin typeface="+mj-lt"/>
+                <a:cs typeface="Times New Roman" panose="02020603050405020304" pitchFamily="18" charset="0"/>
+              </a:rPr>
+              <a:t>, a planar </a:t>
+            </a:r>
+            <a:r>
+              <a:rPr lang="it-IT" sz="1800" dirty="0" err="1">
+                <a:latin typeface="+mj-lt"/>
+                <a:cs typeface="Times New Roman" panose="02020603050405020304" pitchFamily="18" charset="0"/>
+              </a:rPr>
+              <a:t>vehicle</a:t>
+            </a:r>
+            <a:r>
+              <a:rPr lang="it-IT" sz="1800" dirty="0">
+                <a:latin typeface="+mj-lt"/>
+                <a:cs typeface="Times New Roman" panose="02020603050405020304" pitchFamily="18" charset="0"/>
+              </a:rPr>
+              <a:t> </a:t>
+            </a:r>
+            <a:r>
+              <a:rPr lang="it-IT" sz="1800" dirty="0" err="1">
+                <a:latin typeface="+mj-lt"/>
+                <a:cs typeface="Times New Roman" panose="02020603050405020304" pitchFamily="18" charset="0"/>
+              </a:rPr>
+              <a:t>which</a:t>
+            </a:r>
+            <a:r>
+              <a:rPr lang="it-IT" sz="1800" dirty="0">
+                <a:latin typeface="+mj-lt"/>
+                <a:cs typeface="Times New Roman" panose="02020603050405020304" pitchFamily="18" charset="0"/>
+              </a:rPr>
+              <a:t> </a:t>
+            </a:r>
+            <a:r>
+              <a:rPr lang="it-IT" sz="1800" dirty="0" err="1">
+                <a:latin typeface="+mj-lt"/>
+                <a:cs typeface="Times New Roman" panose="02020603050405020304" pitchFamily="18" charset="0"/>
+              </a:rPr>
+              <a:t>is</a:t>
+            </a:r>
+            <a:r>
+              <a:rPr lang="it-IT" sz="1800" dirty="0">
+                <a:latin typeface="+mj-lt"/>
+                <a:cs typeface="Times New Roman" panose="02020603050405020304" pitchFamily="18" charset="0"/>
+              </a:rPr>
+              <a:t> </a:t>
+            </a:r>
+            <a:r>
+              <a:rPr lang="it-IT" sz="1800" dirty="0" err="1">
+                <a:latin typeface="+mj-lt"/>
+                <a:cs typeface="Times New Roman" panose="02020603050405020304" pitchFamily="18" charset="0"/>
+              </a:rPr>
+              <a:t>described</a:t>
+            </a:r>
+            <a:r>
+              <a:rPr lang="it-IT" sz="1800" dirty="0">
+                <a:latin typeface="+mj-lt"/>
+                <a:cs typeface="Times New Roman" panose="02020603050405020304" pitchFamily="18" charset="0"/>
+              </a:rPr>
+              <a:t> by </a:t>
+            </a:r>
+            <a:r>
+              <a:rPr lang="it-IT" sz="1800" dirty="0" err="1">
+                <a:latin typeface="+mj-lt"/>
+                <a:cs typeface="Times New Roman" panose="02020603050405020304" pitchFamily="18" charset="0"/>
+              </a:rPr>
+              <a:t>its</a:t>
+            </a:r>
+            <a:r>
+              <a:rPr lang="it-IT" sz="1800" dirty="0">
+                <a:latin typeface="+mj-lt"/>
+                <a:cs typeface="Times New Roman" panose="02020603050405020304" pitchFamily="18" charset="0"/>
+              </a:rPr>
+              <a:t> state</a:t>
+            </a:r>
+          </a:p>
+        </p:txBody>
+      </p:sp>
+      <p:pic>
+        <p:nvPicPr>
+          <p:cNvPr id="4" name="Picture 2" descr="Universita' di Padova DEI (Dip Ingegneria Informazione) Accesso PaperCut">
+            <a:extLst>
+              <a:ext uri="{FF2B5EF4-FFF2-40B4-BE49-F238E27FC236}">
+                <a16:creationId xmlns:a16="http://schemas.microsoft.com/office/drawing/2014/main" id="{A5AF6C12-5CF7-A73C-5545-1BA99DE8CDA3}"/>
+              </a:ext>
+            </a:extLst>
+          </p:cNvPr>
+          <p:cNvPicPr>
+            <a:picLocks noChangeAspect="1" noChangeArrowheads="1"/>
+          </p:cNvPicPr>
+          <p:nvPr/>
+        </p:nvPicPr>
+        <p:blipFill>
+          <a:blip r:embed="rId2" cstate="print">
+            <a:biLevel thresh="25000"/>
+            <a:extLst>
+              <a:ext uri="{BEBA8EAE-BF5A-486C-A8C5-ECC9F3942E4B}">
+                <a14:imgProps xmlns:a14="http://schemas.microsoft.com/office/drawing/2010/main">
+                  <a14:imgLayer r:embed="rId3">
+                    <a14:imgEffect>
+                      <a14:saturation sat="0"/>
+                    </a14:imgEffect>
+                  </a14:imgLayer>
+                </a14:imgProps>
+              </a:ext>
+              <a:ext uri="{28A0092B-C50C-407E-A947-70E740481C1C}">
+                <a14:useLocalDpi xmlns:a14="http://schemas.microsoft.com/office/drawing/2010/main" val="0"/>
+              </a:ext>
+            </a:extLst>
+          </a:blip>
+          <a:srcRect/>
+          <a:stretch>
+            <a:fillRect/>
+          </a:stretch>
+        </p:blipFill>
+        <p:spPr bwMode="auto">
+          <a:xfrm>
+            <a:off x="10139369" y="-197545"/>
+            <a:ext cx="2052631" cy="1539474"/>
+          </a:xfrm>
+          <a:prstGeom prst="rect">
+            <a:avLst/>
+          </a:prstGeom>
+          <a:noFill/>
+          <a:extLst>
+            <a:ext uri="{909E8E84-426E-40DD-AFC4-6F175D3DCCD1}">
+              <a14:hiddenFill xmlns:a14="http://schemas.microsoft.com/office/drawing/2010/main">
+                <a:solidFill>
+                  <a:srgbClr val="FFFFFF"/>
+                </a:solidFill>
+              </a14:hiddenFill>
+            </a:ext>
+          </a:extLst>
+        </p:spPr>
+      </p:pic>
+      <p:pic>
+        <p:nvPicPr>
+          <p:cNvPr id="6" name="Immagine 5">
+            <a:extLst>
+              <a:ext uri="{FF2B5EF4-FFF2-40B4-BE49-F238E27FC236}">
+                <a16:creationId xmlns:a16="http://schemas.microsoft.com/office/drawing/2014/main" id="{FCF034EC-EFA1-3300-BAA1-526FDE6D689A}"/>
+              </a:ext>
+            </a:extLst>
+          </p:cNvPr>
+          <p:cNvPicPr>
+            <a:picLocks noChangeAspect="1"/>
+          </p:cNvPicPr>
+          <p:nvPr/>
+        </p:nvPicPr>
+        <p:blipFill>
+          <a:blip r:embed="rId4"/>
+          <a:stretch>
+            <a:fillRect/>
+          </a:stretch>
+        </p:blipFill>
+        <p:spPr>
+          <a:xfrm>
+            <a:off x="456000" y="3190376"/>
+            <a:ext cx="6686894" cy="1739989"/>
+          </a:xfrm>
+          <a:prstGeom prst="rect">
+            <a:avLst/>
+          </a:prstGeom>
+        </p:spPr>
+      </p:pic>
+    </p:spTree>
+    <p:extLst>
+      <p:ext uri="{BB962C8B-B14F-4D97-AF65-F5344CB8AC3E}">
+        <p14:creationId xmlns:p14="http://schemas.microsoft.com/office/powerpoint/2010/main" val="3730458130"/>
+      </p:ext>
+    </p:extLst>
+  </p:cSld>
+  <p:clrMapOvr>
+    <a:masterClrMapping/>
+  </p:clrMapOvr>
+</p:sld>
+</file>
+
+<file path=ppt/slides/slide3.xml><?xml version="1.0" encoding="utf-8"?>
+<p:sld xmlns:a="http://schemas.openxmlformats.org/drawingml/2006/main" xmlns:r="http://schemas.openxmlformats.org/officeDocument/2006/relationships" xmlns:p="http://schemas.openxmlformats.org/presentationml/2006/main">
+  <p:cSld>
+    <p:spTree>
+      <p:nvGrpSpPr>
         <p:cNvPr id="1" name=""/>
         <p:cNvGrpSpPr/>
         <p:nvPr/>
@@ -4639,7 +5043,14 @@
                 <a:latin typeface="Arial"/>
                 <a:cs typeface="Arial"/>
               </a:rPr>
-              <a:t>Framework</a:t>
+              <a:t>Framework: </a:t>
+            </a:r>
+            <a:r>
+              <a:rPr lang="it-IT" dirty="0" err="1">
+                <a:latin typeface="Arial"/>
+                <a:cs typeface="Arial"/>
+              </a:rPr>
+              <a:t>trajectory</a:t>
             </a:r>
             <a:endParaRPr lang="en-US" dirty="0"/>
           </a:p>
@@ -4826,7 +5237,7 @@
 </p:sld>
 </file>
 
-<file path=ppt/slides/slide3.xml><?xml version="1.0" encoding="utf-8"?>
+<file path=ppt/slides/slide4.xml><?xml version="1.0" encoding="utf-8"?>
 <p:sld xmlns:a="http://schemas.openxmlformats.org/drawingml/2006/main" xmlns:r="http://schemas.openxmlformats.org/officeDocument/2006/relationships" xmlns:p="http://schemas.openxmlformats.org/presentationml/2006/main">
   <p:cSld>
     <p:spTree>
@@ -5253,7 +5664,7 @@
 </p:sld>
 </file>
 
-<file path=ppt/slides/slide4.xml><?xml version="1.0" encoding="utf-8"?>
+<file path=ppt/slides/slide5.xml><?xml version="1.0" encoding="utf-8"?>
 <p:sld xmlns:a="http://schemas.openxmlformats.org/drawingml/2006/main" xmlns:r="http://schemas.openxmlformats.org/officeDocument/2006/relationships" xmlns:p="http://schemas.openxmlformats.org/presentationml/2006/main">
   <p:cSld>
     <p:spTree>
@@ -6130,4 +6541,24 @@
     </a:ext>
   </a:extLst>
 </a:theme>
+</file>
+
+<file path=ppt/webextensions/taskpanes.xml><?xml version="1.0" encoding="utf-8"?>
+<wetp:taskpanes xmlns:wetp="http://schemas.microsoft.com/office/webextensions/taskpanes/2010/11">
+  <wetp:taskpane dockstate="right" visibility="0" width="525" row="1">
+    <wetp:webextensionref xmlns:r="http://schemas.openxmlformats.org/officeDocument/2006/relationships" r:id="rId1"/>
+  </wetp:taskpane>
+</wetp:taskpanes>
+</file>
+
+<file path=ppt/webextensions/webextension1.xml><?xml version="1.0" encoding="utf-8"?>
+<we:webextension xmlns:we="http://schemas.microsoft.com/office/webextensions/webextension/2010/11" id="{AA74C1CC-E63B-411F-B95C-56B27AC83A47}">
+  <we:reference id="wa200005566" version="3.0.0.2" store="it-IT" storeType="OMEX"/>
+  <we:alternateReferences>
+    <we:reference id="wa200005566" version="3.0.0.2" store="wa200005566" storeType="OMEX"/>
+  </we:alternateReferences>
+  <we:properties/>
+  <we:bindings/>
+  <we:snapshot xmlns:r="http://schemas.openxmlformats.org/officeDocument/2006/relationships"/>
+</we:webextension>
 </file>
--- a/Presentation/RC2_AB.pptx
+++ b/Presentation/RC2_AB.pptx
@@ -220,7 +220,7 @@
             <a:fld id="{296DE6C1-0D4F-40AF-85DF-C1F5DECC53A8}" type="datetimeFigureOut">
               <a:rPr lang="it-IT" smtClean="0"/>
               <a:pPr/>
-              <a:t>03/01/2025</a:t>
+              <a:t>04/01/2025</a:t>
             </a:fld>
             <a:endParaRPr lang="it-IT"/>
           </a:p>
@@ -636,7 +636,7 @@
             <a:fld id="{C764DE79-268F-4C1A-8933-263129D2AF90}" type="datetimeFigureOut">
               <a:rPr lang="en-US" smtClean="0"/>
               <a:pPr/>
-              <a:t>1/3/2025</a:t>
+              <a:t>1/4/2025</a:t>
             </a:fld>
             <a:endParaRPr lang="en-US"/>
           </a:p>
@@ -1724,7 +1724,7 @@
             <a:fld id="{C764DE79-268F-4C1A-8933-263129D2AF90}" type="datetimeFigureOut">
               <a:rPr lang="en-US" smtClean="0"/>
               <a:pPr/>
-              <a:t>1/3/2025</a:t>
+              <a:t>1/4/2025</a:t>
             </a:fld>
             <a:endParaRPr lang="en-US"/>
           </a:p>
@@ -1912,7 +1912,7 @@
             <a:fld id="{C764DE79-268F-4C1A-8933-263129D2AF90}" type="datetimeFigureOut">
               <a:rPr lang="en-US" smtClean="0"/>
               <a:pPr/>
-              <a:t>1/3/2025</a:t>
+              <a:t>1/4/2025</a:t>
             </a:fld>
             <a:endParaRPr lang="en-US"/>
           </a:p>
@@ -2189,7 +2189,7 @@
             <a:fld id="{C764DE79-268F-4C1A-8933-263129D2AF90}" type="datetimeFigureOut">
               <a:rPr lang="en-US" smtClean="0"/>
               <a:pPr/>
-              <a:t>1/3/2025</a:t>
+              <a:t>1/4/2025</a:t>
             </a:fld>
             <a:endParaRPr lang="en-US"/>
           </a:p>
@@ -2456,7 +2456,7 @@
             <a:fld id="{C764DE79-268F-4C1A-8933-263129D2AF90}" type="datetimeFigureOut">
               <a:rPr lang="en-US" smtClean="0"/>
               <a:pPr/>
-              <a:t>1/3/2025</a:t>
+              <a:t>1/4/2025</a:t>
             </a:fld>
             <a:endParaRPr lang="en-US"/>
           </a:p>
@@ -2870,7 +2870,7 @@
             <a:fld id="{C764DE79-268F-4C1A-8933-263129D2AF90}" type="datetimeFigureOut">
               <a:rPr lang="en-US" smtClean="0"/>
               <a:pPr/>
-              <a:t>1/3/2025</a:t>
+              <a:t>1/4/2025</a:t>
             </a:fld>
             <a:endParaRPr lang="en-US"/>
           </a:p>
@@ -3013,7 +3013,7 @@
             <a:fld id="{C764DE79-268F-4C1A-8933-263129D2AF90}" type="datetimeFigureOut">
               <a:rPr lang="en-US" smtClean="0"/>
               <a:pPr/>
-              <a:t>1/3/2025</a:t>
+              <a:t>1/4/2025</a:t>
             </a:fld>
             <a:endParaRPr lang="en-US"/>
           </a:p>
@@ -3128,7 +3128,7 @@
             <a:fld id="{C764DE79-268F-4C1A-8933-263129D2AF90}" type="datetimeFigureOut">
               <a:rPr lang="en-US" smtClean="0"/>
               <a:pPr/>
-              <a:t>1/3/2025</a:t>
+              <a:t>1/4/2025</a:t>
             </a:fld>
             <a:endParaRPr lang="en-US"/>
           </a:p>
@@ -3441,7 +3441,7 @@
             <a:fld id="{C764DE79-268F-4C1A-8933-263129D2AF90}" type="datetimeFigureOut">
               <a:rPr lang="en-US" smtClean="0"/>
               <a:pPr/>
-              <a:t>1/3/2025</a:t>
+              <a:t>1/4/2025</a:t>
             </a:fld>
             <a:endParaRPr lang="en-US"/>
           </a:p>
@@ -3734,7 +3734,7 @@
             <a:fld id="{C764DE79-268F-4C1A-8933-263129D2AF90}" type="datetimeFigureOut">
               <a:rPr lang="en-US" smtClean="0"/>
               <a:pPr/>
-              <a:t>1/3/2025</a:t>
+              <a:t>1/4/2025</a:t>
             </a:fld>
             <a:endParaRPr lang="en-US"/>
           </a:p>
@@ -3977,7 +3977,7 @@
             <a:fld id="{C764DE79-268F-4C1A-8933-263129D2AF90}" type="datetimeFigureOut">
               <a:rPr lang="en-US" smtClean="0"/>
               <a:pPr/>
-              <a:t>1/3/2025</a:t>
+              <a:t>1/4/2025</a:t>
             </a:fld>
             <a:endParaRPr lang="en-US"/>
           </a:p>
@@ -4957,12 +4957,433 @@
           </a:extLst>
         </p:spPr>
       </p:pic>
+      <p:sp>
+        <p:nvSpPr>
+          <p:cNvPr id="5" name="Triangolo isoscele 4">
+            <a:extLst>
+              <a:ext uri="{FF2B5EF4-FFF2-40B4-BE49-F238E27FC236}">
+                <a16:creationId xmlns:a16="http://schemas.microsoft.com/office/drawing/2014/main" id="{2ECBB66A-89B7-4EB9-E907-B7BEC9AC95FC}"/>
+              </a:ext>
+            </a:extLst>
+          </p:cNvPr>
+          <p:cNvSpPr/>
+          <p:nvPr/>
+        </p:nvSpPr>
+        <p:spPr>
+          <a:xfrm rot="3481053">
+            <a:off x="8814709" y="1854567"/>
+            <a:ext cx="504964" cy="825449"/>
+          </a:xfrm>
+          <a:prstGeom prst="triangle">
+            <a:avLst/>
+          </a:prstGeom>
+          <a:solidFill>
+            <a:srgbClr val="FF0000"/>
+          </a:solidFill>
+        </p:spPr>
+        <p:style>
+          <a:lnRef idx="2">
+            <a:schemeClr val="accent1">
+              <a:shade val="15000"/>
+            </a:schemeClr>
+          </a:lnRef>
+          <a:fillRef idx="1">
+            <a:schemeClr val="accent1"/>
+          </a:fillRef>
+          <a:effectRef idx="0">
+            <a:schemeClr val="accent1"/>
+          </a:effectRef>
+          <a:fontRef idx="minor">
+            <a:schemeClr val="lt1"/>
+          </a:fontRef>
+        </p:style>
+        <p:txBody>
+          <a:bodyPr rtlCol="0" anchor="ctr"/>
+          <a:lstStyle/>
+          <a:p>
+            <a:pPr algn="r"/>
+            <a:endParaRPr lang="it-IT" dirty="0"/>
+          </a:p>
+        </p:txBody>
+      </p:sp>
+      <p:cxnSp>
+        <p:nvCxnSpPr>
+          <p:cNvPr id="10" name="Connettore 2 9">
+            <a:extLst>
+              <a:ext uri="{FF2B5EF4-FFF2-40B4-BE49-F238E27FC236}">
+                <a16:creationId xmlns:a16="http://schemas.microsoft.com/office/drawing/2014/main" id="{CCA8B911-1AAD-DB33-4D3A-3A59BE9317B2}"/>
+              </a:ext>
+            </a:extLst>
+          </p:cNvPr>
+          <p:cNvCxnSpPr/>
+          <p:nvPr/>
+        </p:nvCxnSpPr>
+        <p:spPr>
+          <a:xfrm flipV="1">
+            <a:off x="8262257" y="1341929"/>
+            <a:ext cx="0" cy="1716957"/>
+          </a:xfrm>
+          <a:prstGeom prst="straightConnector1">
+            <a:avLst/>
+          </a:prstGeom>
+          <a:ln>
+            <a:tailEnd type="triangle"/>
+          </a:ln>
+        </p:spPr>
+        <p:style>
+          <a:lnRef idx="3">
+            <a:schemeClr val="dk1"/>
+          </a:lnRef>
+          <a:fillRef idx="0">
+            <a:schemeClr val="dk1"/>
+          </a:fillRef>
+          <a:effectRef idx="2">
+            <a:schemeClr val="dk1"/>
+          </a:effectRef>
+          <a:fontRef idx="minor">
+            <a:schemeClr val="tx1"/>
+          </a:fontRef>
+        </p:style>
+      </p:cxnSp>
+      <p:cxnSp>
+        <p:nvCxnSpPr>
+          <p:cNvPr id="11" name="Connettore 2 10">
+            <a:extLst>
+              <a:ext uri="{FF2B5EF4-FFF2-40B4-BE49-F238E27FC236}">
+                <a16:creationId xmlns:a16="http://schemas.microsoft.com/office/drawing/2014/main" id="{403C5B14-4719-D32F-8486-DEA015005210}"/>
+              </a:ext>
+            </a:extLst>
+          </p:cNvPr>
+          <p:cNvCxnSpPr>
+            <a:cxnSpLocks/>
+          </p:cNvCxnSpPr>
+          <p:nvPr/>
+        </p:nvCxnSpPr>
+        <p:spPr>
+          <a:xfrm>
+            <a:off x="8262257" y="3058886"/>
+            <a:ext cx="1741714" cy="0"/>
+          </a:xfrm>
+          <a:prstGeom prst="straightConnector1">
+            <a:avLst/>
+          </a:prstGeom>
+          <a:ln>
+            <a:tailEnd type="triangle"/>
+          </a:ln>
+        </p:spPr>
+        <p:style>
+          <a:lnRef idx="3">
+            <a:schemeClr val="dk1"/>
+          </a:lnRef>
+          <a:fillRef idx="0">
+            <a:schemeClr val="dk1"/>
+          </a:fillRef>
+          <a:effectRef idx="2">
+            <a:schemeClr val="dk1"/>
+          </a:effectRef>
+          <a:fontRef idx="minor">
+            <a:schemeClr val="tx1"/>
+          </a:fontRef>
+        </p:style>
+      </p:cxnSp>
+      <p:cxnSp>
+        <p:nvCxnSpPr>
+          <p:cNvPr id="14" name="Connettore diritto 13">
+            <a:extLst>
+              <a:ext uri="{FF2B5EF4-FFF2-40B4-BE49-F238E27FC236}">
+                <a16:creationId xmlns:a16="http://schemas.microsoft.com/office/drawing/2014/main" id="{64D1E636-4E3A-63E5-E898-33AAFE5B8E55}"/>
+              </a:ext>
+            </a:extLst>
+          </p:cNvPr>
+          <p:cNvCxnSpPr>
+            <a:cxnSpLocks/>
+          </p:cNvCxnSpPr>
+          <p:nvPr/>
+        </p:nvCxnSpPr>
+        <p:spPr>
+          <a:xfrm flipH="1">
+            <a:off x="8262257" y="2341221"/>
+            <a:ext cx="1132114" cy="0"/>
+          </a:xfrm>
+          <a:prstGeom prst="line">
+            <a:avLst/>
+          </a:prstGeom>
+          <a:ln w="19050" cap="flat" cmpd="sng" algn="ctr">
+            <a:solidFill>
+              <a:schemeClr val="dk1"/>
+            </a:solidFill>
+            <a:prstDash val="dash"/>
+            <a:round/>
+            <a:headEnd type="none" w="med" len="med"/>
+            <a:tailEnd type="none" w="med" len="med"/>
+          </a:ln>
+        </p:spPr>
+        <p:style>
+          <a:lnRef idx="0">
+            <a:scrgbClr r="0" g="0" b="0"/>
+          </a:lnRef>
+          <a:fillRef idx="0">
+            <a:scrgbClr r="0" g="0" b="0"/>
+          </a:fillRef>
+          <a:effectRef idx="0">
+            <a:scrgbClr r="0" g="0" b="0"/>
+          </a:effectRef>
+          <a:fontRef idx="minor">
+            <a:schemeClr val="tx1"/>
+          </a:fontRef>
+        </p:style>
+      </p:cxnSp>
+      <p:cxnSp>
+        <p:nvCxnSpPr>
+          <p:cNvPr id="16" name="Connettore diritto 15">
+            <a:extLst>
+              <a:ext uri="{FF2B5EF4-FFF2-40B4-BE49-F238E27FC236}">
+                <a16:creationId xmlns:a16="http://schemas.microsoft.com/office/drawing/2014/main" id="{EB703306-9C06-7240-3734-BDABF189E1B6}"/>
+              </a:ext>
+            </a:extLst>
+          </p:cNvPr>
+          <p:cNvCxnSpPr>
+            <a:cxnSpLocks/>
+          </p:cNvCxnSpPr>
+          <p:nvPr/>
+        </p:nvCxnSpPr>
+        <p:spPr>
+          <a:xfrm>
+            <a:off x="8904514" y="2342013"/>
+            <a:ext cx="0" cy="716873"/>
+          </a:xfrm>
+          <a:prstGeom prst="line">
+            <a:avLst/>
+          </a:prstGeom>
+          <a:ln w="19050" cap="flat" cmpd="sng" algn="ctr">
+            <a:solidFill>
+              <a:schemeClr val="dk1"/>
+            </a:solidFill>
+            <a:prstDash val="dash"/>
+            <a:round/>
+            <a:headEnd type="none" w="med" len="med"/>
+            <a:tailEnd type="none" w="med" len="med"/>
+          </a:ln>
+        </p:spPr>
+        <p:style>
+          <a:lnRef idx="0">
+            <a:scrgbClr r="0" g="0" b="0"/>
+          </a:lnRef>
+          <a:fillRef idx="0">
+            <a:scrgbClr r="0" g="0" b="0"/>
+          </a:fillRef>
+          <a:effectRef idx="0">
+            <a:scrgbClr r="0" g="0" b="0"/>
+          </a:effectRef>
+          <a:fontRef idx="minor">
+            <a:schemeClr val="tx1"/>
+          </a:fontRef>
+        </p:style>
+      </p:cxnSp>
+      <p:sp>
+        <p:nvSpPr>
+          <p:cNvPr id="18" name="CasellaDiTesto 17">
+            <a:extLst>
+              <a:ext uri="{FF2B5EF4-FFF2-40B4-BE49-F238E27FC236}">
+                <a16:creationId xmlns:a16="http://schemas.microsoft.com/office/drawing/2014/main" id="{7F6CD664-4375-8767-DC06-CC079FA00390}"/>
+              </a:ext>
+            </a:extLst>
+          </p:cNvPr>
+          <p:cNvSpPr txBox="1"/>
+          <p:nvPr/>
+        </p:nvSpPr>
+        <p:spPr>
+          <a:xfrm>
+            <a:off x="7936901" y="2157348"/>
+            <a:ext cx="246142" cy="369332"/>
+          </a:xfrm>
+          <a:prstGeom prst="rect">
+            <a:avLst/>
+          </a:prstGeom>
+          <a:noFill/>
+        </p:spPr>
+        <p:txBody>
+          <a:bodyPr wrap="square" rtlCol="0">
+            <a:spAutoFit/>
+          </a:bodyPr>
+          <a:lstStyle/>
+          <a:p>
+            <a:r>
+              <a:rPr lang="it-IT" dirty="0"/>
+              <a:t>y</a:t>
+            </a:r>
+          </a:p>
+        </p:txBody>
+      </p:sp>
+      <p:sp>
+        <p:nvSpPr>
+          <p:cNvPr id="20" name="CasellaDiTesto 19">
+            <a:extLst>
+              <a:ext uri="{FF2B5EF4-FFF2-40B4-BE49-F238E27FC236}">
+                <a16:creationId xmlns:a16="http://schemas.microsoft.com/office/drawing/2014/main" id="{D4AB1D3D-34EF-B483-5EF4-BF71BDBCD21B}"/>
+              </a:ext>
+            </a:extLst>
+          </p:cNvPr>
+          <p:cNvSpPr txBox="1"/>
+          <p:nvPr/>
+        </p:nvSpPr>
+        <p:spPr>
+          <a:xfrm>
+            <a:off x="8760323" y="3058886"/>
+            <a:ext cx="246142" cy="369332"/>
+          </a:xfrm>
+          <a:prstGeom prst="rect">
+            <a:avLst/>
+          </a:prstGeom>
+          <a:noFill/>
+        </p:spPr>
+        <p:txBody>
+          <a:bodyPr wrap="square" rtlCol="0">
+            <a:spAutoFit/>
+          </a:bodyPr>
+          <a:lstStyle/>
+          <a:p>
+            <a:r>
+              <a:rPr lang="it-IT" dirty="0"/>
+              <a:t>x</a:t>
+            </a:r>
+          </a:p>
+        </p:txBody>
+      </p:sp>
+      <p:cxnSp>
+        <p:nvCxnSpPr>
+          <p:cNvPr id="23" name="Connettore diritto 22">
+            <a:extLst>
+              <a:ext uri="{FF2B5EF4-FFF2-40B4-BE49-F238E27FC236}">
+                <a16:creationId xmlns:a16="http://schemas.microsoft.com/office/drawing/2014/main" id="{B911FD0A-7148-AF81-BA1B-EA0C8B952483}"/>
+              </a:ext>
+            </a:extLst>
+          </p:cNvPr>
+          <p:cNvCxnSpPr>
+            <a:cxnSpLocks/>
+          </p:cNvCxnSpPr>
+          <p:nvPr/>
+        </p:nvCxnSpPr>
+        <p:spPr>
+          <a:xfrm flipH="1">
+            <a:off x="8904514" y="1747221"/>
+            <a:ext cx="979715" cy="594000"/>
+          </a:xfrm>
+          <a:prstGeom prst="line">
+            <a:avLst/>
+          </a:prstGeom>
+          <a:ln w="19050" cap="flat" cmpd="sng" algn="ctr">
+            <a:solidFill>
+              <a:schemeClr val="dk1"/>
+            </a:solidFill>
+            <a:prstDash val="dash"/>
+            <a:round/>
+            <a:headEnd type="none" w="med" len="med"/>
+            <a:tailEnd type="none" w="med" len="med"/>
+          </a:ln>
+        </p:spPr>
+        <p:style>
+          <a:lnRef idx="0">
+            <a:scrgbClr r="0" g="0" b="0"/>
+          </a:lnRef>
+          <a:fillRef idx="0">
+            <a:scrgbClr r="0" g="0" b="0"/>
+          </a:fillRef>
+          <a:effectRef idx="0">
+            <a:scrgbClr r="0" g="0" b="0"/>
+          </a:effectRef>
+          <a:fontRef idx="minor">
+            <a:schemeClr val="tx1"/>
+          </a:fontRef>
+        </p:style>
+      </p:cxnSp>
+      <p:sp>
+        <p:nvSpPr>
+          <p:cNvPr id="26" name="Arco 25">
+            <a:extLst>
+              <a:ext uri="{FF2B5EF4-FFF2-40B4-BE49-F238E27FC236}">
+                <a16:creationId xmlns:a16="http://schemas.microsoft.com/office/drawing/2014/main" id="{6B8F4A93-C110-18AD-2FB7-80DE5D8213E5}"/>
+              </a:ext>
+            </a:extLst>
+          </p:cNvPr>
+          <p:cNvSpPr/>
+          <p:nvPr/>
+        </p:nvSpPr>
+        <p:spPr>
+          <a:xfrm rot="3251058">
+            <a:off x="9007607" y="2079043"/>
+            <a:ext cx="315068" cy="242729"/>
+          </a:xfrm>
+          <a:prstGeom prst="arc">
+            <a:avLst/>
+          </a:prstGeom>
+          <a:ln/>
+        </p:spPr>
+        <p:style>
+          <a:lnRef idx="3">
+            <a:schemeClr val="dk1"/>
+          </a:lnRef>
+          <a:fillRef idx="0">
+            <a:schemeClr val="dk1"/>
+          </a:fillRef>
+          <a:effectRef idx="2">
+            <a:schemeClr val="dk1"/>
+          </a:effectRef>
+          <a:fontRef idx="minor">
+            <a:schemeClr val="tx1"/>
+          </a:fontRef>
+        </p:style>
+        <p:txBody>
+          <a:bodyPr rtlCol="0" anchor="ctr"/>
+          <a:lstStyle/>
+          <a:p>
+            <a:pPr algn="ctr"/>
+            <a:endParaRPr lang="it-IT"/>
+          </a:p>
+        </p:txBody>
+      </p:sp>
+      <p:sp>
+        <p:nvSpPr>
+          <p:cNvPr id="27" name="CasellaDiTesto 26">
+            <a:extLst>
+              <a:ext uri="{FF2B5EF4-FFF2-40B4-BE49-F238E27FC236}">
+                <a16:creationId xmlns:a16="http://schemas.microsoft.com/office/drawing/2014/main" id="{114C15C5-8D8E-4B3F-B603-08D118938451}"/>
+              </a:ext>
+            </a:extLst>
+          </p:cNvPr>
+          <p:cNvSpPr txBox="1"/>
+          <p:nvPr/>
+        </p:nvSpPr>
+        <p:spPr>
+          <a:xfrm>
+            <a:off x="9282084" y="2019196"/>
+            <a:ext cx="381202" cy="369332"/>
+          </a:xfrm>
+          <a:prstGeom prst="rect">
+            <a:avLst/>
+          </a:prstGeom>
+          <a:noFill/>
+        </p:spPr>
+        <p:txBody>
+          <a:bodyPr wrap="square" rtlCol="0">
+            <a:spAutoFit/>
+          </a:bodyPr>
+          <a:lstStyle/>
+          <a:p>
+            <a:r>
+              <a:rPr lang="el-GR" dirty="0"/>
+              <a:t>θ</a:t>
+            </a:r>
+            <a:endParaRPr lang="it-IT" dirty="0"/>
+          </a:p>
+        </p:txBody>
+      </p:sp>
       <p:pic>
         <p:nvPicPr>
-          <p:cNvPr id="6" name="Immagine 5">
-            <a:extLst>
-              <a:ext uri="{FF2B5EF4-FFF2-40B4-BE49-F238E27FC236}">
-                <a16:creationId xmlns:a16="http://schemas.microsoft.com/office/drawing/2014/main" id="{FCF034EC-EFA1-3300-BAA1-526FDE6D689A}"/>
+          <p:cNvPr id="29" name="Immagine 28">
+            <a:extLst>
+              <a:ext uri="{FF2B5EF4-FFF2-40B4-BE49-F238E27FC236}">
+                <a16:creationId xmlns:a16="http://schemas.microsoft.com/office/drawing/2014/main" id="{BE6F2906-9342-9F04-A13B-AB509F3598E5}"/>
               </a:ext>
             </a:extLst>
           </p:cNvPr>
@@ -4979,8 +5400,8 @@
         </p:blipFill>
         <p:spPr>
           <a:xfrm>
-            <a:off x="456000" y="3190376"/>
-            <a:ext cx="6686894" cy="1739989"/>
+            <a:off x="478798" y="3038737"/>
+            <a:ext cx="6932147" cy="3819263"/>
           </a:xfrm>
           <a:prstGeom prst="rect">
             <a:avLst/>

--- a/Presentation/RC2_AB.pptx
+++ b/Presentation/RC2_AB.pptx
@@ -5,7 +5,7 @@
     <p:sldMasterId id="2147483708" r:id="rId1"/>
   </p:sldMasterIdLst>
   <p:notesMasterIdLst>
-    <p:notesMasterId r:id="rId7"/>
+    <p:notesMasterId r:id="rId8"/>
   </p:notesMasterIdLst>
   <p:sldIdLst>
     <p:sldId id="272" r:id="rId2"/>
@@ -13,6 +13,7 @@
     <p:sldId id="271" r:id="rId4"/>
     <p:sldId id="268" r:id="rId5"/>
     <p:sldId id="267" r:id="rId6"/>
+    <p:sldId id="274" r:id="rId7"/>
   </p:sldIdLst>
   <p:sldSz cx="12192000" cy="6858000"/>
   <p:notesSz cx="6858000" cy="9144000"/>
@@ -220,7 +221,7 @@
             <a:fld id="{296DE6C1-0D4F-40AF-85DF-C1F5DECC53A8}" type="datetimeFigureOut">
               <a:rPr lang="it-IT" smtClean="0"/>
               <a:pPr/>
-              <a:t>04/01/2025</a:t>
+              <a:t>09/01/2025</a:t>
             </a:fld>
             <a:endParaRPr lang="it-IT"/>
           </a:p>
@@ -636,7 +637,7 @@
             <a:fld id="{C764DE79-268F-4C1A-8933-263129D2AF90}" type="datetimeFigureOut">
               <a:rPr lang="en-US" smtClean="0"/>
               <a:pPr/>
-              <a:t>1/4/2025</a:t>
+              <a:t>1/9/2025</a:t>
             </a:fld>
             <a:endParaRPr lang="en-US"/>
           </a:p>
@@ -1724,7 +1725,7 @@
             <a:fld id="{C764DE79-268F-4C1A-8933-263129D2AF90}" type="datetimeFigureOut">
               <a:rPr lang="en-US" smtClean="0"/>
               <a:pPr/>
-              <a:t>1/4/2025</a:t>
+              <a:t>1/9/2025</a:t>
             </a:fld>
             <a:endParaRPr lang="en-US"/>
           </a:p>
@@ -1912,7 +1913,7 @@
             <a:fld id="{C764DE79-268F-4C1A-8933-263129D2AF90}" type="datetimeFigureOut">
               <a:rPr lang="en-US" smtClean="0"/>
               <a:pPr/>
-              <a:t>1/4/2025</a:t>
+              <a:t>1/9/2025</a:t>
             </a:fld>
             <a:endParaRPr lang="en-US"/>
           </a:p>
@@ -2189,7 +2190,7 @@
             <a:fld id="{C764DE79-268F-4C1A-8933-263129D2AF90}" type="datetimeFigureOut">
               <a:rPr lang="en-US" smtClean="0"/>
               <a:pPr/>
-              <a:t>1/4/2025</a:t>
+              <a:t>1/9/2025</a:t>
             </a:fld>
             <a:endParaRPr lang="en-US"/>
           </a:p>
@@ -2456,7 +2457,7 @@
             <a:fld id="{C764DE79-268F-4C1A-8933-263129D2AF90}" type="datetimeFigureOut">
               <a:rPr lang="en-US" smtClean="0"/>
               <a:pPr/>
-              <a:t>1/4/2025</a:t>
+              <a:t>1/9/2025</a:t>
             </a:fld>
             <a:endParaRPr lang="en-US"/>
           </a:p>
@@ -2870,7 +2871,7 @@
             <a:fld id="{C764DE79-268F-4C1A-8933-263129D2AF90}" type="datetimeFigureOut">
               <a:rPr lang="en-US" smtClean="0"/>
               <a:pPr/>
-              <a:t>1/4/2025</a:t>
+              <a:t>1/9/2025</a:t>
             </a:fld>
             <a:endParaRPr lang="en-US"/>
           </a:p>
@@ -3013,7 +3014,7 @@
             <a:fld id="{C764DE79-268F-4C1A-8933-263129D2AF90}" type="datetimeFigureOut">
               <a:rPr lang="en-US" smtClean="0"/>
               <a:pPr/>
-              <a:t>1/4/2025</a:t>
+              <a:t>1/9/2025</a:t>
             </a:fld>
             <a:endParaRPr lang="en-US"/>
           </a:p>
@@ -3128,7 +3129,7 @@
             <a:fld id="{C764DE79-268F-4C1A-8933-263129D2AF90}" type="datetimeFigureOut">
               <a:rPr lang="en-US" smtClean="0"/>
               <a:pPr/>
-              <a:t>1/4/2025</a:t>
+              <a:t>1/9/2025</a:t>
             </a:fld>
             <a:endParaRPr lang="en-US"/>
           </a:p>
@@ -3441,7 +3442,7 @@
             <a:fld id="{C764DE79-268F-4C1A-8933-263129D2AF90}" type="datetimeFigureOut">
               <a:rPr lang="en-US" smtClean="0"/>
               <a:pPr/>
-              <a:t>1/4/2025</a:t>
+              <a:t>1/9/2025</a:t>
             </a:fld>
             <a:endParaRPr lang="en-US"/>
           </a:p>
@@ -3734,7 +3735,7 @@
             <a:fld id="{C764DE79-268F-4C1A-8933-263129D2AF90}" type="datetimeFigureOut">
               <a:rPr lang="en-US" smtClean="0"/>
               <a:pPr/>
-              <a:t>1/4/2025</a:t>
+              <a:t>1/9/2025</a:t>
             </a:fld>
             <a:endParaRPr lang="en-US"/>
           </a:p>
@@ -3977,7 +3978,7 @@
             <a:fld id="{C764DE79-268F-4C1A-8933-263129D2AF90}" type="datetimeFigureOut">
               <a:rPr lang="en-US" smtClean="0"/>
               <a:pPr/>
-              <a:t>1/4/2025</a:t>
+              <a:t>1/9/2025</a:t>
             </a:fld>
             <a:endParaRPr lang="en-US"/>
           </a:p>
@@ -6399,6 +6400,455 @@
     <p:extLst>
       <p:ext uri="{BB962C8B-B14F-4D97-AF65-F5344CB8AC3E}">
         <p14:creationId xmlns:p14="http://schemas.microsoft.com/office/powerpoint/2010/main" val="2695310145"/>
+      </p:ext>
+    </p:extLst>
+  </p:cSld>
+  <p:clrMapOvr>
+    <a:masterClrMapping/>
+  </p:clrMapOvr>
+</p:sld>
+</file>
+
+<file path=ppt/slides/slide6.xml><?xml version="1.0" encoding="utf-8"?>
+<p:sld xmlns:a="http://schemas.openxmlformats.org/drawingml/2006/main" xmlns:r="http://schemas.openxmlformats.org/officeDocument/2006/relationships" xmlns:p="http://schemas.openxmlformats.org/presentationml/2006/main">
+  <p:cSld>
+    <p:spTree>
+      <p:nvGrpSpPr>
+        <p:cNvPr id="1" name="">
+          <a:extLst>
+            <a:ext uri="{FF2B5EF4-FFF2-40B4-BE49-F238E27FC236}">
+              <a16:creationId xmlns:a16="http://schemas.microsoft.com/office/drawing/2014/main" id="{E7F95A4C-B18C-5E40-4B12-E0BAF330B698}"/>
+            </a:ext>
+          </a:extLst>
+        </p:cNvPr>
+        <p:cNvGrpSpPr/>
+        <p:nvPr/>
+      </p:nvGrpSpPr>
+      <p:grpSpPr>
+        <a:xfrm>
+          <a:off x="0" y="0"/>
+          <a:ext cx="0" cy="0"/>
+          <a:chOff x="0" y="0"/>
+          <a:chExt cx="0" cy="0"/>
+        </a:xfrm>
+      </p:grpSpPr>
+      <p:pic>
+        <p:nvPicPr>
+          <p:cNvPr id="7" name="Picture 2" descr="Universita' di Padova DEI (Dip Ingegneria Informazione) Accesso PaperCut">
+            <a:extLst>
+              <a:ext uri="{FF2B5EF4-FFF2-40B4-BE49-F238E27FC236}">
+                <a16:creationId xmlns:a16="http://schemas.microsoft.com/office/drawing/2014/main" id="{0081B03A-CD6B-D482-0217-C60FD4E30982}"/>
+              </a:ext>
+            </a:extLst>
+          </p:cNvPr>
+          <p:cNvPicPr>
+            <a:picLocks noChangeAspect="1" noChangeArrowheads="1"/>
+          </p:cNvPicPr>
+          <p:nvPr/>
+        </p:nvPicPr>
+        <p:blipFill>
+          <a:blip r:embed="rId2" cstate="print">
+            <a:biLevel thresh="25000"/>
+            <a:extLst>
+              <a:ext uri="{BEBA8EAE-BF5A-486C-A8C5-ECC9F3942E4B}">
+                <a14:imgProps xmlns:a14="http://schemas.microsoft.com/office/drawing/2010/main">
+                  <a14:imgLayer r:embed="rId3">
+                    <a14:imgEffect>
+                      <a14:saturation sat="0"/>
+                    </a14:imgEffect>
+                  </a14:imgLayer>
+                </a14:imgProps>
+              </a:ext>
+              <a:ext uri="{28A0092B-C50C-407E-A947-70E740481C1C}">
+                <a14:useLocalDpi xmlns:a14="http://schemas.microsoft.com/office/drawing/2010/main" val="0"/>
+              </a:ext>
+            </a:extLst>
+          </a:blip>
+          <a:srcRect/>
+          <a:stretch>
+            <a:fillRect/>
+          </a:stretch>
+        </p:blipFill>
+        <p:spPr bwMode="auto">
+          <a:xfrm>
+            <a:off x="10139369" y="-197545"/>
+            <a:ext cx="2052631" cy="1539474"/>
+          </a:xfrm>
+          <a:prstGeom prst="rect">
+            <a:avLst/>
+          </a:prstGeom>
+          <a:noFill/>
+          <a:extLst>
+            <a:ext uri="{909E8E84-426E-40DD-AFC4-6F175D3DCCD1}">
+              <a14:hiddenFill xmlns:a14="http://schemas.microsoft.com/office/drawing/2010/main">
+                <a:solidFill>
+                  <a:srgbClr val="FFFFFF"/>
+                </a:solidFill>
+              </a14:hiddenFill>
+            </a:ext>
+          </a:extLst>
+        </p:spPr>
+      </p:pic>
+      <p:sp>
+        <p:nvSpPr>
+          <p:cNvPr id="8" name="Titolo 1">
+            <a:extLst>
+              <a:ext uri="{FF2B5EF4-FFF2-40B4-BE49-F238E27FC236}">
+                <a16:creationId xmlns:a16="http://schemas.microsoft.com/office/drawing/2014/main" id="{D3A81336-96B5-66A8-B08C-EF35D4657A2C}"/>
+              </a:ext>
+            </a:extLst>
+          </p:cNvPr>
+          <p:cNvSpPr>
+            <a:spLocks noGrp="1"/>
+          </p:cNvSpPr>
+          <p:nvPr>
+            <p:ph type="title"/>
+          </p:nvPr>
+        </p:nvSpPr>
+        <p:spPr>
+          <a:xfrm>
+            <a:off x="455613" y="1152525"/>
+            <a:ext cx="11736387" cy="1189038"/>
+          </a:xfrm>
+        </p:spPr>
+        <p:txBody>
+          <a:bodyPr>
+            <a:normAutofit/>
+          </a:bodyPr>
+          <a:lstStyle/>
+          <a:p>
+            <a:pPr algn="ctr"/>
+            <a:r>
+              <a:rPr lang="it-IT" sz="2400" dirty="0"/>
+              <a:t>Pose </a:t>
+            </a:r>
+            <a:r>
+              <a:rPr lang="it-IT" sz="2400" dirty="0" err="1"/>
+              <a:t>regulation</a:t>
+            </a:r>
+            <a:r>
+              <a:rPr lang="it-IT" sz="2400" dirty="0"/>
+              <a:t> with </a:t>
+            </a:r>
+            <a:r>
+              <a:rPr lang="it-IT" sz="2400" dirty="0" err="1"/>
+              <a:t>change</a:t>
+            </a:r>
+            <a:r>
+              <a:rPr lang="it-IT" sz="2400" dirty="0"/>
+              <a:t> of input</a:t>
+            </a:r>
+          </a:p>
+        </p:txBody>
+      </p:sp>
+      <p:pic>
+        <p:nvPicPr>
+          <p:cNvPr id="3" name="Immagine 2">
+            <a:extLst>
+              <a:ext uri="{FF2B5EF4-FFF2-40B4-BE49-F238E27FC236}">
+                <a16:creationId xmlns:a16="http://schemas.microsoft.com/office/drawing/2014/main" id="{7D51B523-201B-67BF-ED9D-6776DEBF95FA}"/>
+              </a:ext>
+            </a:extLst>
+          </p:cNvPr>
+          <p:cNvPicPr>
+            <a:picLocks noChangeAspect="1"/>
+          </p:cNvPicPr>
+          <p:nvPr/>
+        </p:nvPicPr>
+        <p:blipFill>
+          <a:blip r:embed="rId4"/>
+          <a:stretch>
+            <a:fillRect/>
+          </a:stretch>
+        </p:blipFill>
+        <p:spPr>
+          <a:xfrm>
+            <a:off x="1008020" y="2145348"/>
+            <a:ext cx="10458988" cy="1739989"/>
+          </a:xfrm>
+          <a:prstGeom prst="rect">
+            <a:avLst/>
+          </a:prstGeom>
+        </p:spPr>
+      </p:pic>
+      <p:sp>
+        <p:nvSpPr>
+          <p:cNvPr id="4" name="CasellaDiTesto 3">
+            <a:extLst>
+              <a:ext uri="{FF2B5EF4-FFF2-40B4-BE49-F238E27FC236}">
+                <a16:creationId xmlns:a16="http://schemas.microsoft.com/office/drawing/2014/main" id="{B52555D1-0A6B-38FF-010A-C6A79D02A360}"/>
+              </a:ext>
+            </a:extLst>
+          </p:cNvPr>
+          <p:cNvSpPr txBox="1"/>
+          <p:nvPr/>
+        </p:nvSpPr>
+        <p:spPr>
+          <a:xfrm>
+            <a:off x="1972884" y="5903643"/>
+            <a:ext cx="9535885" cy="369332"/>
+          </a:xfrm>
+          <a:prstGeom prst="rect">
+            <a:avLst/>
+          </a:prstGeom>
+          <a:noFill/>
+        </p:spPr>
+        <p:txBody>
+          <a:bodyPr wrap="square" rtlCol="0">
+            <a:spAutoFit/>
+          </a:bodyPr>
+          <a:lstStyle/>
+          <a:p>
+            <a:r>
+              <a:rPr lang="it-IT" dirty="0"/>
+              <a:t>To </a:t>
+            </a:r>
+            <a:r>
+              <a:rPr lang="it-IT" dirty="0" err="1"/>
+              <a:t>prevent</a:t>
+            </a:r>
+            <a:r>
+              <a:rPr lang="it-IT" dirty="0"/>
+              <a:t> the </a:t>
+            </a:r>
+            <a:r>
+              <a:rPr lang="it-IT" dirty="0" err="1"/>
+              <a:t>singularity</a:t>
+            </a:r>
+            <a:r>
+              <a:rPr lang="it-IT" dirty="0"/>
+              <a:t> on </a:t>
+            </a:r>
+            <a:r>
+              <a:rPr lang="it-IT" dirty="0" err="1"/>
+              <a:t>roh</a:t>
+            </a:r>
+            <a:r>
+              <a:rPr lang="it-IT" dirty="0"/>
+              <a:t> </a:t>
+            </a:r>
+            <a:r>
+              <a:rPr lang="it-IT" dirty="0" err="1"/>
+              <a:t>we</a:t>
+            </a:r>
+            <a:r>
+              <a:rPr lang="it-IT" dirty="0"/>
+              <a:t> </a:t>
+            </a:r>
+            <a:r>
+              <a:rPr lang="it-IT" dirty="0" err="1"/>
+              <a:t>perform</a:t>
+            </a:r>
+            <a:r>
+              <a:rPr lang="it-IT" dirty="0"/>
+              <a:t> a </a:t>
+            </a:r>
+            <a:r>
+              <a:rPr lang="it-IT" dirty="0" err="1"/>
+              <a:t>change</a:t>
+            </a:r>
+            <a:r>
+              <a:rPr lang="it-IT" dirty="0"/>
+              <a:t> of input u = v/</a:t>
+            </a:r>
+            <a:r>
+              <a:rPr lang="it-IT" dirty="0" err="1"/>
+              <a:t>roh</a:t>
+            </a:r>
+            <a:endParaRPr lang="it-IT" dirty="0"/>
+          </a:p>
+        </p:txBody>
+      </p:sp>
+      <p:pic>
+        <p:nvPicPr>
+          <p:cNvPr id="5" name="Immagine 4">
+            <a:extLst>
+              <a:ext uri="{FF2B5EF4-FFF2-40B4-BE49-F238E27FC236}">
+                <a16:creationId xmlns:a16="http://schemas.microsoft.com/office/drawing/2014/main" id="{43678ED4-A0AE-0B48-AC8D-FBE313D1DE98}"/>
+              </a:ext>
+            </a:extLst>
+          </p:cNvPr>
+          <p:cNvPicPr>
+            <a:picLocks noChangeAspect="1"/>
+          </p:cNvPicPr>
+          <p:nvPr/>
+        </p:nvPicPr>
+        <p:blipFill>
+          <a:blip r:embed="rId5"/>
+          <a:stretch>
+            <a:fillRect/>
+          </a:stretch>
+        </p:blipFill>
+        <p:spPr>
+          <a:xfrm>
+            <a:off x="4983219" y="5272174"/>
+            <a:ext cx="3515216" cy="228632"/>
+          </a:xfrm>
+          <a:prstGeom prst="rect">
+            <a:avLst/>
+          </a:prstGeom>
+        </p:spPr>
+      </p:pic>
+      <p:cxnSp>
+        <p:nvCxnSpPr>
+          <p:cNvPr id="9" name="Connettore 2 8">
+            <a:extLst>
+              <a:ext uri="{FF2B5EF4-FFF2-40B4-BE49-F238E27FC236}">
+                <a16:creationId xmlns:a16="http://schemas.microsoft.com/office/drawing/2014/main" id="{542F178C-B65E-4DD3-2DF4-3B9073B38E60}"/>
+              </a:ext>
+            </a:extLst>
+          </p:cNvPr>
+          <p:cNvCxnSpPr/>
+          <p:nvPr/>
+        </p:nvCxnSpPr>
+        <p:spPr>
+          <a:xfrm flipH="1">
+            <a:off x="7979665" y="4701472"/>
+            <a:ext cx="132971" cy="570702"/>
+          </a:xfrm>
+          <a:prstGeom prst="straightConnector1">
+            <a:avLst/>
+          </a:prstGeom>
+          <a:ln>
+            <a:solidFill>
+              <a:schemeClr val="tx1"/>
+            </a:solidFill>
+            <a:tailEnd type="triangle"/>
+          </a:ln>
+        </p:spPr>
+        <p:style>
+          <a:lnRef idx="1">
+            <a:schemeClr val="accent1"/>
+          </a:lnRef>
+          <a:fillRef idx="0">
+            <a:schemeClr val="accent1"/>
+          </a:fillRef>
+          <a:effectRef idx="0">
+            <a:schemeClr val="accent1"/>
+          </a:effectRef>
+          <a:fontRef idx="minor">
+            <a:schemeClr val="tx1"/>
+          </a:fontRef>
+        </p:style>
+      </p:cxnSp>
+      <p:pic>
+        <p:nvPicPr>
+          <p:cNvPr id="10" name="Immagine 9">
+            <a:extLst>
+              <a:ext uri="{FF2B5EF4-FFF2-40B4-BE49-F238E27FC236}">
+                <a16:creationId xmlns:a16="http://schemas.microsoft.com/office/drawing/2014/main" id="{CF007F1B-BF15-CE1F-3DA1-39CC165D231F}"/>
+              </a:ext>
+            </a:extLst>
+          </p:cNvPr>
+          <p:cNvPicPr>
+            <a:picLocks noChangeAspect="1"/>
+          </p:cNvPicPr>
+          <p:nvPr/>
+        </p:nvPicPr>
+        <p:blipFill>
+          <a:blip r:embed="rId6"/>
+          <a:stretch>
+            <a:fillRect/>
+          </a:stretch>
+        </p:blipFill>
+        <p:spPr>
+          <a:xfrm>
+            <a:off x="8112636" y="4125568"/>
+            <a:ext cx="1333686" cy="581106"/>
+          </a:xfrm>
+          <a:prstGeom prst="rect">
+            <a:avLst/>
+          </a:prstGeom>
+        </p:spPr>
+      </p:pic>
+      <p:pic>
+        <p:nvPicPr>
+          <p:cNvPr id="11" name="Immagine 10">
+            <a:extLst>
+              <a:ext uri="{FF2B5EF4-FFF2-40B4-BE49-F238E27FC236}">
+                <a16:creationId xmlns:a16="http://schemas.microsoft.com/office/drawing/2014/main" id="{DEF93029-13A8-8B9D-AB41-8E5A40AD6DD2}"/>
+              </a:ext>
+            </a:extLst>
+          </p:cNvPr>
+          <p:cNvPicPr>
+            <a:picLocks noChangeAspect="1"/>
+          </p:cNvPicPr>
+          <p:nvPr/>
+        </p:nvPicPr>
+        <p:blipFill>
+          <a:blip r:embed="rId7"/>
+          <a:stretch>
+            <a:fillRect/>
+          </a:stretch>
+        </p:blipFill>
+        <p:spPr>
+          <a:xfrm>
+            <a:off x="1578429" y="4207123"/>
+            <a:ext cx="3019846" cy="295316"/>
+          </a:xfrm>
+          <a:prstGeom prst="rect">
+            <a:avLst/>
+          </a:prstGeom>
+        </p:spPr>
+      </p:pic>
+      <p:sp>
+        <p:nvSpPr>
+          <p:cNvPr id="12" name="Segno di moltiplicazione 11">
+            <a:extLst>
+              <a:ext uri="{FF2B5EF4-FFF2-40B4-BE49-F238E27FC236}">
+                <a16:creationId xmlns:a16="http://schemas.microsoft.com/office/drawing/2014/main" id="{54EB040A-6FAC-E7A8-6793-2E960612CFB9}"/>
+              </a:ext>
+            </a:extLst>
+          </p:cNvPr>
+          <p:cNvSpPr/>
+          <p:nvPr/>
+        </p:nvSpPr>
+        <p:spPr>
+          <a:xfrm>
+            <a:off x="7120749" y="5250020"/>
+            <a:ext cx="481780" cy="386699"/>
+          </a:xfrm>
+          <a:prstGeom prst="mathMultiply">
+            <a:avLst/>
+          </a:prstGeom>
+          <a:solidFill>
+            <a:srgbClr val="FF0000"/>
+          </a:solidFill>
+          <a:ln>
+            <a:solidFill>
+              <a:srgbClr val="FF0000"/>
+            </a:solidFill>
+          </a:ln>
+        </p:spPr>
+        <p:style>
+          <a:lnRef idx="2">
+            <a:schemeClr val="accent1">
+              <a:shade val="15000"/>
+            </a:schemeClr>
+          </a:lnRef>
+          <a:fillRef idx="1">
+            <a:schemeClr val="accent1"/>
+          </a:fillRef>
+          <a:effectRef idx="0">
+            <a:schemeClr val="accent1"/>
+          </a:effectRef>
+          <a:fontRef idx="minor">
+            <a:schemeClr val="lt1"/>
+          </a:fontRef>
+        </p:style>
+        <p:txBody>
+          <a:bodyPr rtlCol="0" anchor="ctr"/>
+          <a:lstStyle/>
+          <a:p>
+            <a:pPr algn="ctr"/>
+            <a:endParaRPr lang="it-IT"/>
+          </a:p>
+        </p:txBody>
+      </p:sp>
+    </p:spTree>
+    <p:extLst>
+      <p:ext uri="{BB962C8B-B14F-4D97-AF65-F5344CB8AC3E}">
+        <p14:creationId xmlns:p14="http://schemas.microsoft.com/office/powerpoint/2010/main" val="2876910811"/>
       </p:ext>
     </p:extLst>
   </p:cSld>
